--- a/static/business.pptx
+++ b/static/business.pptx
@@ -303,7 +303,7 @@
           <a:p>
             <a:fld id="{4AAD347D-5ACD-4C99-B74B-A9C85AD731AF}" type="datetimeFigureOut">
               <a:rPr lang="en-US" dirty="0"/>
-              <a:t>5/16/2021</a:t>
+              <a:t>5/31/2021</a:t>
             </a:fld>
             <a:endParaRPr lang="en-US" dirty="0"/>
           </a:p>
@@ -573,7 +573,7 @@
           <a:p>
             <a:fld id="{4509A250-FF31-4206-8172-F9D3106AACB1}" type="datetimeFigureOut">
               <a:rPr lang="en-US" dirty="0"/>
-              <a:t>5/16/2021</a:t>
+              <a:t>5/31/2021</a:t>
             </a:fld>
             <a:endParaRPr lang="en-US" dirty="0"/>
           </a:p>
@@ -762,7 +762,7 @@
           <a:p>
             <a:fld id="{4509A250-FF31-4206-8172-F9D3106AACB1}" type="datetimeFigureOut">
               <a:rPr lang="en-US" dirty="0"/>
-              <a:t>5/16/2021</a:t>
+              <a:t>5/31/2021</a:t>
             </a:fld>
             <a:endParaRPr lang="en-US" dirty="0"/>
           </a:p>
@@ -1030,7 +1030,7 @@
           <a:p>
             <a:fld id="{4509A250-FF31-4206-8172-F9D3106AACB1}" type="datetimeFigureOut">
               <a:rPr lang="en-US" dirty="0"/>
-              <a:t>5/16/2021</a:t>
+              <a:t>5/31/2021</a:t>
             </a:fld>
             <a:endParaRPr lang="en-US" dirty="0"/>
           </a:p>
@@ -1366,7 +1366,7 @@
           <a:p>
             <a:fld id="{4509A250-FF31-4206-8172-F9D3106AACB1}" type="datetimeFigureOut">
               <a:rPr lang="en-US" dirty="0"/>
-              <a:t>5/16/2021</a:t>
+              <a:t>5/31/2021</a:t>
             </a:fld>
             <a:endParaRPr lang="en-US" dirty="0"/>
           </a:p>
@@ -1984,7 +1984,7 @@
           <a:p>
             <a:fld id="{4509A250-FF31-4206-8172-F9D3106AACB1}" type="datetimeFigureOut">
               <a:rPr lang="en-US" dirty="0"/>
-              <a:t>5/16/2021</a:t>
+              <a:t>5/31/2021</a:t>
             </a:fld>
             <a:endParaRPr lang="en-US" dirty="0"/>
           </a:p>
@@ -2839,7 +2839,7 @@
           <a:p>
             <a:fld id="{4509A250-FF31-4206-8172-F9D3106AACB1}" type="datetimeFigureOut">
               <a:rPr lang="en-US" dirty="0"/>
-              <a:t>5/16/2021</a:t>
+              <a:t>5/31/2021</a:t>
             </a:fld>
             <a:endParaRPr lang="en-US" dirty="0"/>
           </a:p>
@@ -3004,7 +3004,7 @@
           <a:p>
             <a:fld id="{4509A250-FF31-4206-8172-F9D3106AACB1}" type="datetimeFigureOut">
               <a:rPr lang="en-US" dirty="0"/>
-              <a:t>5/16/2021</a:t>
+              <a:t>5/31/2021</a:t>
             </a:fld>
             <a:endParaRPr lang="en-US" dirty="0"/>
           </a:p>
@@ -3179,7 +3179,7 @@
           <a:p>
             <a:fld id="{4509A250-FF31-4206-8172-F9D3106AACB1}" type="datetimeFigureOut">
               <a:rPr lang="en-US" dirty="0"/>
-              <a:t>5/16/2021</a:t>
+              <a:t>5/31/2021</a:t>
             </a:fld>
             <a:endParaRPr lang="en-US" dirty="0"/>
           </a:p>
@@ -3342,7 +3342,7 @@
           <a:p>
             <a:fld id="{4509A250-FF31-4206-8172-F9D3106AACB1}" type="datetimeFigureOut">
               <a:rPr lang="en-US" dirty="0"/>
-              <a:t>5/16/2021</a:t>
+              <a:t>5/31/2021</a:t>
             </a:fld>
             <a:endParaRPr lang="en-US" dirty="0"/>
           </a:p>
@@ -3399,248 +3399,6 @@
 </file>
 
 <file path=ppt/slideLayouts/slideLayout3.xml><?xml version="1.0" encoding="utf-8"?>
-<p:sldLayout xmlns:a="http://schemas.openxmlformats.org/drawingml/2006/main" xmlns:r="http://schemas.openxmlformats.org/officeDocument/2006/relationships" xmlns:p="http://schemas.openxmlformats.org/presentationml/2006/main" type="secHead" preserve="1">
-  <p:cSld name="Section Header">
-    <p:spTree>
-      <p:nvGrpSpPr>
-        <p:cNvPr id="1" name=""/>
-        <p:cNvGrpSpPr/>
-        <p:nvPr/>
-      </p:nvGrpSpPr>
-      <p:grpSpPr>
-        <a:xfrm>
-          <a:off x="0" y="0"/>
-          <a:ext cx="0" cy="0"/>
-          <a:chOff x="0" y="0"/>
-          <a:chExt cx="0" cy="0"/>
-        </a:xfrm>
-      </p:grpSpPr>
-      <p:sp>
-        <p:nvSpPr>
-          <p:cNvPr id="2" name="Title 1"/>
-          <p:cNvSpPr>
-            <a:spLocks noGrp="1"/>
-          </p:cNvSpPr>
-          <p:nvPr>
-            <p:ph type="title"/>
-          </p:nvPr>
-        </p:nvSpPr>
-        <p:spPr>
-          <a:xfrm>
-            <a:off x="1154956" y="2861733"/>
-            <a:ext cx="8825657" cy="1915647"/>
-          </a:xfrm>
-        </p:spPr>
-        <p:txBody>
-          <a:bodyPr anchor="b"/>
-          <a:lstStyle>
-            <a:lvl1pPr algn="l">
-              <a:defRPr sz="4000" b="0" cap="none"/>
-            </a:lvl1pPr>
-          </a:lstStyle>
-          <a:p>
-            <a:r>
-              <a:rPr lang="en-US"/>
-              <a:t>Click to edit Master title style</a:t>
-            </a:r>
-            <a:endParaRPr lang="en-US" dirty="0"/>
-          </a:p>
-        </p:txBody>
-      </p:sp>
-      <p:sp>
-        <p:nvSpPr>
-          <p:cNvPr id="3" name="Text Placeholder 2"/>
-          <p:cNvSpPr>
-            <a:spLocks noGrp="1"/>
-          </p:cNvSpPr>
-          <p:nvPr>
-            <p:ph type="body" idx="1"/>
-          </p:nvPr>
-        </p:nvSpPr>
-        <p:spPr>
-          <a:xfrm>
-            <a:off x="1154955" y="4777381"/>
-            <a:ext cx="8825658" cy="860400"/>
-          </a:xfrm>
-        </p:spPr>
-        <p:txBody>
-          <a:bodyPr anchor="t"/>
-          <a:lstStyle>
-            <a:lvl1pPr marL="0" indent="0" algn="l">
-              <a:buNone/>
-              <a:defRPr sz="2000" cap="all">
-                <a:solidFill>
-                  <a:schemeClr val="bg2">
-                    <a:lumMod val="40000"/>
-                    <a:lumOff val="60000"/>
-                  </a:schemeClr>
-                </a:solidFill>
-              </a:defRPr>
-            </a:lvl1pPr>
-            <a:lvl2pPr marL="457200" indent="0">
-              <a:buNone/>
-              <a:defRPr sz="1800">
-                <a:solidFill>
-                  <a:schemeClr val="tx1">
-                    <a:tint val="75000"/>
-                  </a:schemeClr>
-                </a:solidFill>
-              </a:defRPr>
-            </a:lvl2pPr>
-            <a:lvl3pPr marL="914400" indent="0">
-              <a:buNone/>
-              <a:defRPr sz="1600">
-                <a:solidFill>
-                  <a:schemeClr val="tx1">
-                    <a:tint val="75000"/>
-                  </a:schemeClr>
-                </a:solidFill>
-              </a:defRPr>
-            </a:lvl3pPr>
-            <a:lvl4pPr marL="1371600" indent="0">
-              <a:buNone/>
-              <a:defRPr sz="1400">
-                <a:solidFill>
-                  <a:schemeClr val="tx1">
-                    <a:tint val="75000"/>
-                  </a:schemeClr>
-                </a:solidFill>
-              </a:defRPr>
-            </a:lvl4pPr>
-            <a:lvl5pPr marL="1828800" indent="0">
-              <a:buNone/>
-              <a:defRPr sz="1400">
-                <a:solidFill>
-                  <a:schemeClr val="tx1">
-                    <a:tint val="75000"/>
-                  </a:schemeClr>
-                </a:solidFill>
-              </a:defRPr>
-            </a:lvl5pPr>
-            <a:lvl6pPr marL="2286000" indent="0">
-              <a:buNone/>
-              <a:defRPr sz="1400">
-                <a:solidFill>
-                  <a:schemeClr val="tx1">
-                    <a:tint val="75000"/>
-                  </a:schemeClr>
-                </a:solidFill>
-              </a:defRPr>
-            </a:lvl6pPr>
-            <a:lvl7pPr marL="2743200" indent="0">
-              <a:buNone/>
-              <a:defRPr sz="1400">
-                <a:solidFill>
-                  <a:schemeClr val="tx1">
-                    <a:tint val="75000"/>
-                  </a:schemeClr>
-                </a:solidFill>
-              </a:defRPr>
-            </a:lvl7pPr>
-            <a:lvl8pPr marL="3200400" indent="0">
-              <a:buNone/>
-              <a:defRPr sz="1400">
-                <a:solidFill>
-                  <a:schemeClr val="tx1">
-                    <a:tint val="75000"/>
-                  </a:schemeClr>
-                </a:solidFill>
-              </a:defRPr>
-            </a:lvl8pPr>
-            <a:lvl9pPr marL="3657600" indent="0">
-              <a:buNone/>
-              <a:defRPr sz="1400">
-                <a:solidFill>
-                  <a:schemeClr val="tx1">
-                    <a:tint val="75000"/>
-                  </a:schemeClr>
-                </a:solidFill>
-              </a:defRPr>
-            </a:lvl9pPr>
-          </a:lstStyle>
-          <a:p>
-            <a:pPr lvl="0"/>
-            <a:r>
-              <a:rPr lang="en-US"/>
-              <a:t>Click to edit Master text styles</a:t>
-            </a:r>
-          </a:p>
-        </p:txBody>
-      </p:sp>
-      <p:sp>
-        <p:nvSpPr>
-          <p:cNvPr id="4" name="Date Placeholder 3"/>
-          <p:cNvSpPr>
-            <a:spLocks noGrp="1"/>
-          </p:cNvSpPr>
-          <p:nvPr>
-            <p:ph type="dt" sz="half" idx="10"/>
-          </p:nvPr>
-        </p:nvSpPr>
-        <p:spPr/>
-        <p:txBody>
-          <a:bodyPr/>
-          <a:lstStyle/>
-          <a:p>
-            <a:fld id="{9796027F-7875-4030-9381-8BD8C4F21935}" type="datetimeFigureOut">
-              <a:rPr lang="en-US" dirty="0"/>
-              <a:t>5/16/2021</a:t>
-            </a:fld>
-            <a:endParaRPr lang="en-US" dirty="0"/>
-          </a:p>
-        </p:txBody>
-      </p:sp>
-      <p:sp>
-        <p:nvSpPr>
-          <p:cNvPr id="5" name="Footer Placeholder 4"/>
-          <p:cNvSpPr>
-            <a:spLocks noGrp="1"/>
-          </p:cNvSpPr>
-          <p:nvPr>
-            <p:ph type="ftr" sz="quarter" idx="11"/>
-          </p:nvPr>
-        </p:nvSpPr>
-        <p:spPr/>
-        <p:txBody>
-          <a:bodyPr/>
-          <a:lstStyle/>
-          <a:p>
-            <a:endParaRPr lang="en-US" dirty="0"/>
-          </a:p>
-        </p:txBody>
-      </p:sp>
-      <p:sp>
-        <p:nvSpPr>
-          <p:cNvPr id="6" name="Slide Number Placeholder 5"/>
-          <p:cNvSpPr>
-            <a:spLocks noGrp="1"/>
-          </p:cNvSpPr>
-          <p:nvPr>
-            <p:ph type="sldNum" sz="quarter" idx="12"/>
-          </p:nvPr>
-        </p:nvSpPr>
-        <p:spPr/>
-        <p:txBody>
-          <a:bodyPr/>
-          <a:lstStyle/>
-          <a:p>
-            <a:fld id="{D57F1E4F-1CFF-5643-939E-02111984F565}" type="slidenum">
-              <a:rPr lang="en-US" dirty="0"/>
-              <a:t>‹#›</a:t>
-            </a:fld>
-            <a:endParaRPr lang="en-US" dirty="0"/>
-          </a:p>
-        </p:txBody>
-      </p:sp>
-    </p:spTree>
-  </p:cSld>
-  <p:clrMapOvr>
-    <a:masterClrMapping/>
-  </p:clrMapOvr>
-</p:sldLayout>
-</file>
-
-<file path=ppt/slideLayouts/slideLayout4.xml><?xml version="1.0" encoding="utf-8"?>
 <p:sldLayout xmlns:a="http://schemas.openxmlformats.org/drawingml/2006/main" xmlns:r="http://schemas.openxmlformats.org/officeDocument/2006/relationships" xmlns:p="http://schemas.openxmlformats.org/presentationml/2006/main" type="twoObj" preserve="1">
   <p:cSld name="Two Content">
     <p:spTree>
@@ -3871,7 +3629,7 @@
           <a:p>
             <a:fld id="{9796027F-7875-4030-9381-8BD8C4F21935}" type="datetimeFigureOut">
               <a:rPr lang="en-US" dirty="0"/>
-              <a:t>5/16/2021</a:t>
+              <a:t>5/31/2021</a:t>
             </a:fld>
             <a:endParaRPr lang="en-US" dirty="0"/>
           </a:p>
@@ -3899,6 +3657,248 @@
       <p:sp>
         <p:nvSpPr>
           <p:cNvPr id="7" name="Slide Number Placeholder 6"/>
+          <p:cNvSpPr>
+            <a:spLocks noGrp="1"/>
+          </p:cNvSpPr>
+          <p:nvPr>
+            <p:ph type="sldNum" sz="quarter" idx="12"/>
+          </p:nvPr>
+        </p:nvSpPr>
+        <p:spPr/>
+        <p:txBody>
+          <a:bodyPr/>
+          <a:lstStyle/>
+          <a:p>
+            <a:fld id="{D57F1E4F-1CFF-5643-939E-02111984F565}" type="slidenum">
+              <a:rPr lang="en-US" dirty="0"/>
+              <a:t>‹#›</a:t>
+            </a:fld>
+            <a:endParaRPr lang="en-US" dirty="0"/>
+          </a:p>
+        </p:txBody>
+      </p:sp>
+    </p:spTree>
+  </p:cSld>
+  <p:clrMapOvr>
+    <a:masterClrMapping/>
+  </p:clrMapOvr>
+</p:sldLayout>
+</file>
+
+<file path=ppt/slideLayouts/slideLayout4.xml><?xml version="1.0" encoding="utf-8"?>
+<p:sldLayout xmlns:a="http://schemas.openxmlformats.org/drawingml/2006/main" xmlns:r="http://schemas.openxmlformats.org/officeDocument/2006/relationships" xmlns:p="http://schemas.openxmlformats.org/presentationml/2006/main" type="secHead" preserve="1">
+  <p:cSld name="Section Header">
+    <p:spTree>
+      <p:nvGrpSpPr>
+        <p:cNvPr id="1" name=""/>
+        <p:cNvGrpSpPr/>
+        <p:nvPr/>
+      </p:nvGrpSpPr>
+      <p:grpSpPr>
+        <a:xfrm>
+          <a:off x="0" y="0"/>
+          <a:ext cx="0" cy="0"/>
+          <a:chOff x="0" y="0"/>
+          <a:chExt cx="0" cy="0"/>
+        </a:xfrm>
+      </p:grpSpPr>
+      <p:sp>
+        <p:nvSpPr>
+          <p:cNvPr id="2" name="Title 1"/>
+          <p:cNvSpPr>
+            <a:spLocks noGrp="1"/>
+          </p:cNvSpPr>
+          <p:nvPr>
+            <p:ph type="title"/>
+          </p:nvPr>
+        </p:nvSpPr>
+        <p:spPr>
+          <a:xfrm>
+            <a:off x="1154956" y="2861733"/>
+            <a:ext cx="8825657" cy="1915647"/>
+          </a:xfrm>
+        </p:spPr>
+        <p:txBody>
+          <a:bodyPr anchor="b"/>
+          <a:lstStyle>
+            <a:lvl1pPr algn="l">
+              <a:defRPr sz="4000" b="0" cap="none"/>
+            </a:lvl1pPr>
+          </a:lstStyle>
+          <a:p>
+            <a:r>
+              <a:rPr lang="en-US"/>
+              <a:t>Click to edit Master title style</a:t>
+            </a:r>
+            <a:endParaRPr lang="en-US" dirty="0"/>
+          </a:p>
+        </p:txBody>
+      </p:sp>
+      <p:sp>
+        <p:nvSpPr>
+          <p:cNvPr id="3" name="Text Placeholder 2"/>
+          <p:cNvSpPr>
+            <a:spLocks noGrp="1"/>
+          </p:cNvSpPr>
+          <p:nvPr>
+            <p:ph type="body" idx="1"/>
+          </p:nvPr>
+        </p:nvSpPr>
+        <p:spPr>
+          <a:xfrm>
+            <a:off x="1154955" y="4777381"/>
+            <a:ext cx="8825658" cy="860400"/>
+          </a:xfrm>
+        </p:spPr>
+        <p:txBody>
+          <a:bodyPr anchor="t"/>
+          <a:lstStyle>
+            <a:lvl1pPr marL="0" indent="0" algn="l">
+              <a:buNone/>
+              <a:defRPr sz="2000" cap="all">
+                <a:solidFill>
+                  <a:schemeClr val="bg2">
+                    <a:lumMod val="40000"/>
+                    <a:lumOff val="60000"/>
+                  </a:schemeClr>
+                </a:solidFill>
+              </a:defRPr>
+            </a:lvl1pPr>
+            <a:lvl2pPr marL="457200" indent="0">
+              <a:buNone/>
+              <a:defRPr sz="1800">
+                <a:solidFill>
+                  <a:schemeClr val="tx1">
+                    <a:tint val="75000"/>
+                  </a:schemeClr>
+                </a:solidFill>
+              </a:defRPr>
+            </a:lvl2pPr>
+            <a:lvl3pPr marL="914400" indent="0">
+              <a:buNone/>
+              <a:defRPr sz="1600">
+                <a:solidFill>
+                  <a:schemeClr val="tx1">
+                    <a:tint val="75000"/>
+                  </a:schemeClr>
+                </a:solidFill>
+              </a:defRPr>
+            </a:lvl3pPr>
+            <a:lvl4pPr marL="1371600" indent="0">
+              <a:buNone/>
+              <a:defRPr sz="1400">
+                <a:solidFill>
+                  <a:schemeClr val="tx1">
+                    <a:tint val="75000"/>
+                  </a:schemeClr>
+                </a:solidFill>
+              </a:defRPr>
+            </a:lvl4pPr>
+            <a:lvl5pPr marL="1828800" indent="0">
+              <a:buNone/>
+              <a:defRPr sz="1400">
+                <a:solidFill>
+                  <a:schemeClr val="tx1">
+                    <a:tint val="75000"/>
+                  </a:schemeClr>
+                </a:solidFill>
+              </a:defRPr>
+            </a:lvl5pPr>
+            <a:lvl6pPr marL="2286000" indent="0">
+              <a:buNone/>
+              <a:defRPr sz="1400">
+                <a:solidFill>
+                  <a:schemeClr val="tx1">
+                    <a:tint val="75000"/>
+                  </a:schemeClr>
+                </a:solidFill>
+              </a:defRPr>
+            </a:lvl6pPr>
+            <a:lvl7pPr marL="2743200" indent="0">
+              <a:buNone/>
+              <a:defRPr sz="1400">
+                <a:solidFill>
+                  <a:schemeClr val="tx1">
+                    <a:tint val="75000"/>
+                  </a:schemeClr>
+                </a:solidFill>
+              </a:defRPr>
+            </a:lvl7pPr>
+            <a:lvl8pPr marL="3200400" indent="0">
+              <a:buNone/>
+              <a:defRPr sz="1400">
+                <a:solidFill>
+                  <a:schemeClr val="tx1">
+                    <a:tint val="75000"/>
+                  </a:schemeClr>
+                </a:solidFill>
+              </a:defRPr>
+            </a:lvl8pPr>
+            <a:lvl9pPr marL="3657600" indent="0">
+              <a:buNone/>
+              <a:defRPr sz="1400">
+                <a:solidFill>
+                  <a:schemeClr val="tx1">
+                    <a:tint val="75000"/>
+                  </a:schemeClr>
+                </a:solidFill>
+              </a:defRPr>
+            </a:lvl9pPr>
+          </a:lstStyle>
+          <a:p>
+            <a:pPr lvl="0"/>
+            <a:r>
+              <a:rPr lang="en-US"/>
+              <a:t>Click to edit Master text styles</a:t>
+            </a:r>
+          </a:p>
+        </p:txBody>
+      </p:sp>
+      <p:sp>
+        <p:nvSpPr>
+          <p:cNvPr id="4" name="Date Placeholder 3"/>
+          <p:cNvSpPr>
+            <a:spLocks noGrp="1"/>
+          </p:cNvSpPr>
+          <p:nvPr>
+            <p:ph type="dt" sz="half" idx="10"/>
+          </p:nvPr>
+        </p:nvSpPr>
+        <p:spPr/>
+        <p:txBody>
+          <a:bodyPr/>
+          <a:lstStyle/>
+          <a:p>
+            <a:fld id="{9796027F-7875-4030-9381-8BD8C4F21935}" type="datetimeFigureOut">
+              <a:rPr lang="en-US" dirty="0"/>
+              <a:t>5/31/2021</a:t>
+            </a:fld>
+            <a:endParaRPr lang="en-US" dirty="0"/>
+          </a:p>
+        </p:txBody>
+      </p:sp>
+      <p:sp>
+        <p:nvSpPr>
+          <p:cNvPr id="5" name="Footer Placeholder 4"/>
+          <p:cNvSpPr>
+            <a:spLocks noGrp="1"/>
+          </p:cNvSpPr>
+          <p:nvPr>
+            <p:ph type="ftr" sz="quarter" idx="11"/>
+          </p:nvPr>
+        </p:nvSpPr>
+        <p:spPr/>
+        <p:txBody>
+          <a:bodyPr/>
+          <a:lstStyle/>
+          <a:p>
+            <a:endParaRPr lang="en-US" dirty="0"/>
+          </a:p>
+        </p:txBody>
+      </p:sp>
+      <p:sp>
+        <p:nvSpPr>
+          <p:cNvPr id="6" name="Slide Number Placeholder 5"/>
           <p:cNvSpPr>
             <a:spLocks noGrp="1"/>
           </p:cNvSpPr>
@@ -4310,7 +4310,7 @@
           <a:p>
             <a:fld id="{9796027F-7875-4030-9381-8BD8C4F21935}" type="datetimeFigureOut">
               <a:rPr lang="en-US" dirty="0"/>
-              <a:t>5/16/2021</a:t>
+              <a:t>5/31/2021</a:t>
             </a:fld>
             <a:endParaRPr lang="en-US" dirty="0"/>
           </a:p>
@@ -4423,7 +4423,7 @@
           <a:p>
             <a:fld id="{4509A250-FF31-4206-8172-F9D3106AACB1}" type="datetimeFigureOut">
               <a:rPr lang="en-US" dirty="0"/>
-              <a:t>5/16/2021</a:t>
+              <a:t>5/31/2021</a:t>
             </a:fld>
             <a:endParaRPr lang="en-US" dirty="0"/>
           </a:p>
@@ -4513,7 +4513,7 @@
           <a:p>
             <a:fld id="{4509A250-FF31-4206-8172-F9D3106AACB1}" type="datetimeFigureOut">
               <a:rPr lang="en-US" dirty="0"/>
-              <a:t>5/16/2021</a:t>
+              <a:t>5/31/2021</a:t>
             </a:fld>
             <a:endParaRPr lang="en-US" dirty="0"/>
           </a:p>
@@ -4787,7 +4787,7 @@
           <a:p>
             <a:fld id="{4509A250-FF31-4206-8172-F9D3106AACB1}" type="datetimeFigureOut">
               <a:rPr lang="en-US" dirty="0"/>
-              <a:t>5/16/2021</a:t>
+              <a:t>5/31/2021</a:t>
             </a:fld>
             <a:endParaRPr lang="en-US" dirty="0"/>
           </a:p>
@@ -5057,7 +5057,7 @@
           <a:p>
             <a:fld id="{4509A250-FF31-4206-8172-F9D3106AACB1}" type="datetimeFigureOut">
               <a:rPr lang="en-US" dirty="0"/>
-              <a:t>5/16/2021</a:t>
+              <a:t>5/31/2021</a:t>
             </a:fld>
             <a:endParaRPr lang="en-US" dirty="0"/>
           </a:p>
@@ -5481,7 +5481,7 @@
           <a:p>
             <a:fld id="{4AAD347D-5ACD-4C99-B74B-A9C85AD731AF}" type="datetimeFigureOut">
               <a:rPr lang="en-US" dirty="0"/>
-              <a:t>5/16/2021</a:t>
+              <a:t>5/31/2021</a:t>
             </a:fld>
             <a:endParaRPr lang="en-US" dirty="0"/>
           </a:p>
@@ -5572,8 +5572,8 @@
   <p:sldLayoutIdLst>
     <p:sldLayoutId id="2147483649" r:id="rId1"/>
     <p:sldLayoutId id="2147483650" r:id="rId2"/>
-    <p:sldLayoutId id="2147483651" r:id="rId3"/>
-    <p:sldLayoutId id="2147483652" r:id="rId4"/>
+    <p:sldLayoutId id="2147483652" r:id="rId3"/>
+    <p:sldLayoutId id="2147483651" r:id="rId4"/>
     <p:sldLayoutId id="2147483653" r:id="rId5"/>
     <p:sldLayoutId id="2147483654" r:id="rId6"/>
     <p:sldLayoutId id="2147483655" r:id="rId7"/>
